--- a/team3_presentation.pptx
+++ b/team3_presentation.pptx
@@ -12,6 +12,15 @@
     <p:sldId id="260" r:id="rId6"/>
     <p:sldId id="261" r:id="rId7"/>
     <p:sldId id="262" r:id="rId8"/>
+    <p:sldId id="263" r:id="rId9"/>
+    <p:sldId id="264" r:id="rId10"/>
+    <p:sldId id="265" r:id="rId11"/>
+    <p:sldId id="266" r:id="rId12"/>
+    <p:sldId id="268" r:id="rId13"/>
+    <p:sldId id="267" r:id="rId14"/>
+    <p:sldId id="269" r:id="rId15"/>
+    <p:sldId id="270" r:id="rId16"/>
+    <p:sldId id="271" r:id="rId17"/>
   </p:sldIdLst>
   <p:sldSz cx="12192000" cy="6858000"/>
   <p:notesSz cx="6858000" cy="9144000"/>
@@ -110,11 +119,6 @@
       </a:defRPr>
     </a:lvl9pPr>
   </p:defaultTextStyle>
-  <p:extLst>
-    <p:ext uri="{EFAFB233-063F-42B5-8137-9DF3F51BA10A}">
-      <p15:sldGuideLst xmlns:p15="http://schemas.microsoft.com/office/powerpoint/2012/main"/>
-    </p:ext>
-  </p:extLst>
 </p:presentation>
 </file>
 
@@ -2992,7 +2996,7 @@
           <a:p>
             <a:r>
               <a:rPr lang="en-US" dirty="0" smtClean="0"/>
-              <a:t>Personal Health Monitoring System (PHMS)</a:t>
+              <a:t>P.H.M.S</a:t>
             </a:r>
             <a:endParaRPr lang="en-US" dirty="0"/>
           </a:p>
@@ -3068,10 +3072,10 @@
           </a:p>
           <a:p>
             <a:r>
-              <a:rPr lang="en-US" sz="3600" dirty="0" smtClean="0"/>
-              <a:t>Team# 3</a:t>
-            </a:r>
-            <a:endParaRPr lang="en-US" sz="3600" dirty="0"/>
+              <a:rPr lang="en-US" dirty="0" smtClean="0"/>
+              <a:t>Team 3</a:t>
+            </a:r>
+            <a:endParaRPr lang="en-US" dirty="0"/>
           </a:p>
           <a:p>
             <a:endParaRPr lang="en-US" dirty="0" smtClean="0"/>
@@ -3082,6 +3086,547 @@
     <p:extLst>
       <p:ext uri="{BB962C8B-B14F-4D97-AF65-F5344CB8AC3E}">
         <p14:creationId xmlns:p14="http://schemas.microsoft.com/office/powerpoint/2010/main" val="1128693422"/>
+      </p:ext>
+    </p:extLst>
+  </p:cSld>
+  <p:clrMapOvr>
+    <a:masterClrMapping/>
+  </p:clrMapOvr>
+</p:sld>
+</file>
+
+<file path=ppt/slides/slide10.xml><?xml version="1.0" encoding="utf-8"?>
+<p:sld xmlns:a="http://schemas.openxmlformats.org/drawingml/2006/main" xmlns:r="http://schemas.openxmlformats.org/officeDocument/2006/relationships" xmlns:p="http://schemas.openxmlformats.org/presentationml/2006/main">
+  <p:cSld>
+    <p:spTree>
+      <p:nvGrpSpPr>
+        <p:cNvPr id="1" name=""/>
+        <p:cNvGrpSpPr/>
+        <p:nvPr/>
+      </p:nvGrpSpPr>
+      <p:grpSpPr>
+        <a:xfrm>
+          <a:off x="0" y="0"/>
+          <a:ext cx="0" cy="0"/>
+          <a:chOff x="0" y="0"/>
+          <a:chExt cx="0" cy="0"/>
+        </a:xfrm>
+      </p:grpSpPr>
+      <p:sp>
+        <p:nvSpPr>
+          <p:cNvPr id="2" name="Title 1"/>
+          <p:cNvSpPr>
+            <a:spLocks noGrp="1"/>
+          </p:cNvSpPr>
+          <p:nvPr>
+            <p:ph type="title"/>
+          </p:nvPr>
+        </p:nvSpPr>
+        <p:spPr>
+          <a:xfrm>
+            <a:off x="624599" y="38541"/>
+            <a:ext cx="10515600" cy="1325563"/>
+          </a:xfrm>
+        </p:spPr>
+        <p:txBody>
+          <a:bodyPr/>
+          <a:lstStyle/>
+          <a:p>
+            <a:r>
+              <a:rPr lang="en-US" dirty="0" smtClean="0"/>
+              <a:t>UML diagrams</a:t>
+            </a:r>
+            <a:endParaRPr lang="en-US" dirty="0"/>
+          </a:p>
+        </p:txBody>
+      </p:sp>
+      <p:pic>
+        <p:nvPicPr>
+          <p:cNvPr id="5" name="Picture 4"/>
+          <p:cNvPicPr>
+            <a:picLocks noChangeAspect="1"/>
+          </p:cNvPicPr>
+          <p:nvPr/>
+        </p:nvPicPr>
+        <p:blipFill>
+          <a:blip r:embed="rId2">
+            <a:extLst>
+              <a:ext uri="{28A0092B-C50C-407E-A947-70E740481C1C}">
+                <a14:useLocalDpi xmlns:a14="http://schemas.microsoft.com/office/drawing/2010/main" val="0"/>
+              </a:ext>
+            </a:extLst>
+          </a:blip>
+          <a:stretch>
+            <a:fillRect/>
+          </a:stretch>
+        </p:blipFill>
+        <p:spPr>
+          <a:xfrm>
+            <a:off x="865841" y="1364104"/>
+            <a:ext cx="10274358" cy="5493895"/>
+          </a:xfrm>
+          <a:prstGeom prst="rect">
+            <a:avLst/>
+          </a:prstGeom>
+        </p:spPr>
+      </p:pic>
+    </p:spTree>
+    <p:extLst>
+      <p:ext uri="{BB962C8B-B14F-4D97-AF65-F5344CB8AC3E}">
+        <p14:creationId xmlns:p14="http://schemas.microsoft.com/office/powerpoint/2010/main" val="938027860"/>
+      </p:ext>
+    </p:extLst>
+  </p:cSld>
+  <p:clrMapOvr>
+    <a:masterClrMapping/>
+  </p:clrMapOvr>
+</p:sld>
+</file>
+
+<file path=ppt/slides/slide11.xml><?xml version="1.0" encoding="utf-8"?>
+<p:sld xmlns:a="http://schemas.openxmlformats.org/drawingml/2006/main" xmlns:r="http://schemas.openxmlformats.org/officeDocument/2006/relationships" xmlns:p="http://schemas.openxmlformats.org/presentationml/2006/main">
+  <p:cSld>
+    <p:spTree>
+      <p:nvGrpSpPr>
+        <p:cNvPr id="1" name=""/>
+        <p:cNvGrpSpPr/>
+        <p:nvPr/>
+      </p:nvGrpSpPr>
+      <p:grpSpPr>
+        <a:xfrm>
+          <a:off x="0" y="0"/>
+          <a:ext cx="0" cy="0"/>
+          <a:chOff x="0" y="0"/>
+          <a:chExt cx="0" cy="0"/>
+        </a:xfrm>
+      </p:grpSpPr>
+      <p:pic>
+        <p:nvPicPr>
+          <p:cNvPr id="5" name="Content Placeholder 4"/>
+          <p:cNvPicPr>
+            <a:picLocks noGrp="1" noChangeAspect="1"/>
+          </p:cNvPicPr>
+          <p:nvPr>
+            <p:ph idx="1"/>
+          </p:nvPr>
+        </p:nvPicPr>
+        <p:blipFill>
+          <a:blip r:embed="rId2">
+            <a:extLst>
+              <a:ext uri="{28A0092B-C50C-407E-A947-70E740481C1C}">
+                <a14:useLocalDpi xmlns:a14="http://schemas.microsoft.com/office/drawing/2010/main" val="0"/>
+              </a:ext>
+            </a:extLst>
+          </a:blip>
+          <a:stretch>
+            <a:fillRect/>
+          </a:stretch>
+        </p:blipFill>
+        <p:spPr>
+          <a:xfrm>
+            <a:off x="2437456" y="1199213"/>
+            <a:ext cx="7317087" cy="5265197"/>
+          </a:xfrm>
+        </p:spPr>
+      </p:pic>
+      <p:sp>
+        <p:nvSpPr>
+          <p:cNvPr id="6" name="Rectangle 5"/>
+          <p:cNvSpPr/>
+          <p:nvPr/>
+        </p:nvSpPr>
+        <p:spPr>
+          <a:xfrm>
+            <a:off x="2437456" y="713168"/>
+            <a:ext cx="3649845" cy="369332"/>
+          </a:xfrm>
+          <a:prstGeom prst="rect">
+            <a:avLst/>
+          </a:prstGeom>
+        </p:spPr>
+        <p:txBody>
+          <a:bodyPr wrap="none">
+            <a:spAutoFit/>
+          </a:bodyPr>
+          <a:lstStyle/>
+          <a:p>
+            <a:r>
+              <a:rPr lang="en-US" smtClean="0"/>
+              <a:t>Registration State Transition Diagram</a:t>
+            </a:r>
+            <a:endParaRPr lang="en-US"/>
+          </a:p>
+        </p:txBody>
+      </p:sp>
+    </p:spTree>
+    <p:extLst>
+      <p:ext uri="{BB962C8B-B14F-4D97-AF65-F5344CB8AC3E}">
+        <p14:creationId xmlns:p14="http://schemas.microsoft.com/office/powerpoint/2010/main" val="430938255"/>
+      </p:ext>
+    </p:extLst>
+  </p:cSld>
+  <p:clrMapOvr>
+    <a:masterClrMapping/>
+  </p:clrMapOvr>
+</p:sld>
+</file>
+
+<file path=ppt/slides/slide12.xml><?xml version="1.0" encoding="utf-8"?>
+<p:sld xmlns:a="http://schemas.openxmlformats.org/drawingml/2006/main" xmlns:r="http://schemas.openxmlformats.org/officeDocument/2006/relationships" xmlns:p="http://schemas.openxmlformats.org/presentationml/2006/main">
+  <p:cSld>
+    <p:spTree>
+      <p:nvGrpSpPr>
+        <p:cNvPr id="1" name=""/>
+        <p:cNvGrpSpPr/>
+        <p:nvPr/>
+      </p:nvGrpSpPr>
+      <p:grpSpPr>
+        <a:xfrm>
+          <a:off x="0" y="0"/>
+          <a:ext cx="0" cy="0"/>
+          <a:chOff x="0" y="0"/>
+          <a:chExt cx="0" cy="0"/>
+        </a:xfrm>
+      </p:grpSpPr>
+      <p:pic>
+        <p:nvPicPr>
+          <p:cNvPr id="4" name="Content Placeholder 4"/>
+          <p:cNvPicPr>
+            <a:picLocks noChangeAspect="1"/>
+          </p:cNvPicPr>
+          <p:nvPr/>
+        </p:nvPicPr>
+        <p:blipFill>
+          <a:blip r:embed="rId2">
+            <a:extLst>
+              <a:ext uri="{28A0092B-C50C-407E-A947-70E740481C1C}">
+                <a14:useLocalDpi xmlns:a14="http://schemas.microsoft.com/office/drawing/2010/main" val="0"/>
+              </a:ext>
+            </a:extLst>
+          </a:blip>
+          <a:stretch>
+            <a:fillRect/>
+          </a:stretch>
+        </p:blipFill>
+        <p:spPr>
+          <a:xfrm>
+            <a:off x="2735249" y="1319626"/>
+            <a:ext cx="5287617" cy="5167313"/>
+          </a:xfrm>
+          <a:prstGeom prst="rect">
+            <a:avLst/>
+          </a:prstGeom>
+        </p:spPr>
+      </p:pic>
+      <p:sp>
+        <p:nvSpPr>
+          <p:cNvPr id="5" name="Title 1"/>
+          <p:cNvSpPr>
+            <a:spLocks noGrp="1"/>
+          </p:cNvSpPr>
+          <p:nvPr>
+            <p:ph type="title"/>
+          </p:nvPr>
+        </p:nvSpPr>
+        <p:spPr>
+          <a:xfrm>
+            <a:off x="838200" y="365125"/>
+            <a:ext cx="10515600" cy="1325563"/>
+          </a:xfrm>
+        </p:spPr>
+        <p:txBody>
+          <a:bodyPr/>
+          <a:lstStyle/>
+          <a:p>
+            <a:r>
+              <a:rPr lang="en-US" dirty="0"/>
+              <a:t>Notes Activity Diagram</a:t>
+            </a:r>
+          </a:p>
+        </p:txBody>
+      </p:sp>
+    </p:spTree>
+    <p:extLst>
+      <p:ext uri="{BB962C8B-B14F-4D97-AF65-F5344CB8AC3E}">
+        <p14:creationId xmlns:p14="http://schemas.microsoft.com/office/powerpoint/2010/main" val="102891242"/>
+      </p:ext>
+    </p:extLst>
+  </p:cSld>
+  <p:clrMapOvr>
+    <a:masterClrMapping/>
+  </p:clrMapOvr>
+</p:sld>
+</file>
+
+<file path=ppt/slides/slide13.xml><?xml version="1.0" encoding="utf-8"?>
+<p:sld xmlns:a="http://schemas.openxmlformats.org/drawingml/2006/main" xmlns:r="http://schemas.openxmlformats.org/officeDocument/2006/relationships" xmlns:p="http://schemas.openxmlformats.org/presentationml/2006/main">
+  <p:cSld>
+    <p:spTree>
+      <p:nvGrpSpPr>
+        <p:cNvPr id="1" name=""/>
+        <p:cNvGrpSpPr/>
+        <p:nvPr/>
+      </p:nvGrpSpPr>
+      <p:grpSpPr>
+        <a:xfrm>
+          <a:off x="0" y="0"/>
+          <a:ext cx="0" cy="0"/>
+          <a:chOff x="0" y="0"/>
+          <a:chExt cx="0" cy="0"/>
+        </a:xfrm>
+      </p:grpSpPr>
+      <p:sp>
+        <p:nvSpPr>
+          <p:cNvPr id="2" name="Title 1"/>
+          <p:cNvSpPr>
+            <a:spLocks noGrp="1"/>
+          </p:cNvSpPr>
+          <p:nvPr>
+            <p:ph type="title"/>
+          </p:nvPr>
+        </p:nvSpPr>
+        <p:spPr>
+          <a:xfrm>
+            <a:off x="908436" y="335145"/>
+            <a:ext cx="10515600" cy="1325563"/>
+          </a:xfrm>
+        </p:spPr>
+        <p:txBody>
+          <a:bodyPr/>
+          <a:lstStyle/>
+          <a:p>
+            <a:r>
+              <a:rPr lang="en-US" dirty="0" smtClean="0"/>
+              <a:t>Test Cases</a:t>
+            </a:r>
+            <a:endParaRPr lang="en-US" dirty="0"/>
+          </a:p>
+        </p:txBody>
+      </p:sp>
+      <p:pic>
+        <p:nvPicPr>
+          <p:cNvPr id="4" name="Content Placeholder 3"/>
+          <p:cNvPicPr>
+            <a:picLocks noGrp="1" noChangeAspect="1"/>
+          </p:cNvPicPr>
+          <p:nvPr>
+            <p:ph idx="1"/>
+          </p:nvPr>
+        </p:nvPicPr>
+        <p:blipFill rotWithShape="1">
+          <a:blip r:embed="rId2"/>
+          <a:srcRect l="20623" t="18720" r="19173" b="7728"/>
+          <a:stretch/>
+        </p:blipFill>
+        <p:spPr>
+          <a:xfrm>
+            <a:off x="1918741" y="1815561"/>
+            <a:ext cx="7662581" cy="4693865"/>
+          </a:xfrm>
+          <a:prstGeom prst="rect">
+            <a:avLst/>
+          </a:prstGeom>
+        </p:spPr>
+      </p:pic>
+    </p:spTree>
+    <p:extLst>
+      <p:ext uri="{BB962C8B-B14F-4D97-AF65-F5344CB8AC3E}">
+        <p14:creationId xmlns:p14="http://schemas.microsoft.com/office/powerpoint/2010/main" val="133905948"/>
+      </p:ext>
+    </p:extLst>
+  </p:cSld>
+  <p:clrMapOvr>
+    <a:masterClrMapping/>
+  </p:clrMapOvr>
+</p:sld>
+</file>
+
+<file path=ppt/slides/slide14.xml><?xml version="1.0" encoding="utf-8"?>
+<p:sld xmlns:a="http://schemas.openxmlformats.org/drawingml/2006/main" xmlns:r="http://schemas.openxmlformats.org/officeDocument/2006/relationships" xmlns:p="http://schemas.openxmlformats.org/presentationml/2006/main">
+  <p:cSld>
+    <p:spTree>
+      <p:nvGrpSpPr>
+        <p:cNvPr id="1" name=""/>
+        <p:cNvGrpSpPr/>
+        <p:nvPr/>
+      </p:nvGrpSpPr>
+      <p:grpSpPr>
+        <a:xfrm>
+          <a:off x="0" y="0"/>
+          <a:ext cx="0" cy="0"/>
+          <a:chOff x="0" y="0"/>
+          <a:chExt cx="0" cy="0"/>
+        </a:xfrm>
+      </p:grpSpPr>
+      <p:pic>
+        <p:nvPicPr>
+          <p:cNvPr id="4" name="Content Placeholder 3"/>
+          <p:cNvPicPr>
+            <a:picLocks noChangeAspect="1"/>
+          </p:cNvPicPr>
+          <p:nvPr/>
+        </p:nvPicPr>
+        <p:blipFill rotWithShape="1">
+          <a:blip r:embed="rId2"/>
+          <a:srcRect l="21149" t="28537" r="18785" b="23106"/>
+          <a:stretch/>
+        </p:blipFill>
+        <p:spPr>
+          <a:xfrm>
+            <a:off x="1598081" y="2485422"/>
+            <a:ext cx="8375565" cy="3792913"/>
+          </a:xfrm>
+          <a:prstGeom prst="rect">
+            <a:avLst/>
+          </a:prstGeom>
+        </p:spPr>
+      </p:pic>
+      <p:sp>
+        <p:nvSpPr>
+          <p:cNvPr id="5" name="Title 1"/>
+          <p:cNvSpPr>
+            <a:spLocks noGrp="1"/>
+          </p:cNvSpPr>
+          <p:nvPr>
+            <p:ph type="title"/>
+          </p:nvPr>
+        </p:nvSpPr>
+        <p:spPr>
+          <a:xfrm>
+            <a:off x="838200" y="365125"/>
+            <a:ext cx="10515600" cy="1325563"/>
+          </a:xfrm>
+        </p:spPr>
+        <p:txBody>
+          <a:bodyPr/>
+          <a:lstStyle/>
+          <a:p>
+            <a:r>
+              <a:rPr lang="en-US" dirty="0"/>
+              <a:t>Test Case: “Notes”</a:t>
+            </a:r>
+          </a:p>
+        </p:txBody>
+      </p:sp>
+    </p:spTree>
+    <p:extLst>
+      <p:ext uri="{BB962C8B-B14F-4D97-AF65-F5344CB8AC3E}">
+        <p14:creationId xmlns:p14="http://schemas.microsoft.com/office/powerpoint/2010/main" val="1895508816"/>
+      </p:ext>
+    </p:extLst>
+  </p:cSld>
+  <p:clrMapOvr>
+    <a:masterClrMapping/>
+  </p:clrMapOvr>
+</p:sld>
+</file>
+
+<file path=ppt/slides/slide15.xml><?xml version="1.0" encoding="utf-8"?>
+<p:sld xmlns:a="http://schemas.openxmlformats.org/drawingml/2006/main" xmlns:r="http://schemas.openxmlformats.org/officeDocument/2006/relationships" xmlns:p="http://schemas.openxmlformats.org/presentationml/2006/main">
+  <p:cSld>
+    <p:spTree>
+      <p:nvGrpSpPr>
+        <p:cNvPr id="1" name=""/>
+        <p:cNvGrpSpPr/>
+        <p:nvPr/>
+      </p:nvGrpSpPr>
+      <p:grpSpPr>
+        <a:xfrm>
+          <a:off x="0" y="0"/>
+          <a:ext cx="0" cy="0"/>
+          <a:chOff x="0" y="0"/>
+          <a:chExt cx="0" cy="0"/>
+        </a:xfrm>
+      </p:grpSpPr>
+      <p:sp>
+        <p:nvSpPr>
+          <p:cNvPr id="2" name="Title 1"/>
+          <p:cNvSpPr>
+            <a:spLocks noGrp="1"/>
+          </p:cNvSpPr>
+          <p:nvPr>
+            <p:ph type="title"/>
+          </p:nvPr>
+        </p:nvSpPr>
+        <p:spPr>
+          <a:xfrm>
+            <a:off x="851452" y="2379455"/>
+            <a:ext cx="10515600" cy="1325563"/>
+          </a:xfrm>
+        </p:spPr>
+        <p:txBody>
+          <a:bodyPr/>
+          <a:lstStyle/>
+          <a:p>
+            <a:pPr algn="ctr"/>
+            <a:r>
+              <a:rPr lang="en-US" dirty="0" smtClean="0"/>
+              <a:t>Demo</a:t>
+            </a:r>
+            <a:endParaRPr lang="en-US" dirty="0"/>
+          </a:p>
+        </p:txBody>
+      </p:sp>
+    </p:spTree>
+    <p:extLst>
+      <p:ext uri="{BB962C8B-B14F-4D97-AF65-F5344CB8AC3E}">
+        <p14:creationId xmlns:p14="http://schemas.microsoft.com/office/powerpoint/2010/main" val="497413182"/>
+      </p:ext>
+    </p:extLst>
+  </p:cSld>
+  <p:clrMapOvr>
+    <a:masterClrMapping/>
+  </p:clrMapOvr>
+</p:sld>
+</file>
+
+<file path=ppt/slides/slide16.xml><?xml version="1.0" encoding="utf-8"?>
+<p:sld xmlns:a="http://schemas.openxmlformats.org/drawingml/2006/main" xmlns:r="http://schemas.openxmlformats.org/officeDocument/2006/relationships" xmlns:p="http://schemas.openxmlformats.org/presentationml/2006/main">
+  <p:cSld>
+    <p:spTree>
+      <p:nvGrpSpPr>
+        <p:cNvPr id="1" name=""/>
+        <p:cNvGrpSpPr/>
+        <p:nvPr/>
+      </p:nvGrpSpPr>
+      <p:grpSpPr>
+        <a:xfrm>
+          <a:off x="0" y="0"/>
+          <a:ext cx="0" cy="0"/>
+          <a:chOff x="0" y="0"/>
+          <a:chExt cx="0" cy="0"/>
+        </a:xfrm>
+      </p:grpSpPr>
+      <p:sp>
+        <p:nvSpPr>
+          <p:cNvPr id="3" name="Content Placeholder 2"/>
+          <p:cNvSpPr>
+            <a:spLocks noGrp="1"/>
+          </p:cNvSpPr>
+          <p:nvPr>
+            <p:ph idx="1"/>
+          </p:nvPr>
+        </p:nvSpPr>
+        <p:spPr/>
+        <p:txBody>
+          <a:bodyPr/>
+          <a:lstStyle/>
+          <a:p>
+            <a:pPr marL="0" indent="0" algn="ctr">
+              <a:buNone/>
+            </a:pPr>
+            <a:r>
+              <a:rPr lang="en-US" smtClean="0"/>
+              <a:t>Questions?</a:t>
+            </a:r>
+            <a:endParaRPr lang="en-US" dirty="0"/>
+          </a:p>
+        </p:txBody>
+      </p:sp>
+    </p:spTree>
+    <p:extLst>
+      <p:ext uri="{BB962C8B-B14F-4D97-AF65-F5344CB8AC3E}">
+        <p14:creationId xmlns:p14="http://schemas.microsoft.com/office/powerpoint/2010/main" val="530893044"/>
       </p:ext>
     </p:extLst>
   </p:cSld>
@@ -3207,27 +3752,6 @@
               <a:t>and Constraints </a:t>
             </a:r>
             <a:endParaRPr lang="en-US" dirty="0" smtClean="0"/>
-          </a:p>
-          <a:p>
-            <a:pPr>
-              <a:buFont typeface="Wingdings" charset="2"/>
-              <a:buChar char="Ø"/>
-            </a:pPr>
-            <a:r>
-              <a:rPr lang="en-US" dirty="0" smtClean="0"/>
-              <a:t> </a:t>
-            </a:r>
-            <a:r>
-              <a:rPr lang="en-US" dirty="0"/>
-              <a:t>Project Schedule </a:t>
-            </a:r>
-          </a:p>
-          <a:p>
-            <a:pPr>
-              <a:buFont typeface="Wingdings" charset="2"/>
-              <a:buChar char="Ø"/>
-            </a:pPr>
-            <a:endParaRPr lang="en-US" dirty="0"/>
           </a:p>
         </p:txBody>
       </p:sp>
@@ -3341,15 +3865,7 @@
             </a:pPr>
             <a:r>
               <a:rPr lang="en-US" dirty="0" smtClean="0"/>
-              <a:t> </a:t>
-            </a:r>
-            <a:r>
-              <a:rPr lang="en-US" dirty="0"/>
-              <a:t>Sample </a:t>
-            </a:r>
-            <a:r>
-              <a:rPr lang="en-US" dirty="0" smtClean="0"/>
-              <a:t>Components</a:t>
+              <a:t> Test cases</a:t>
             </a:r>
           </a:p>
           <a:p>
@@ -3359,7 +3875,7 @@
             </a:pPr>
             <a:r>
               <a:rPr lang="en-US" dirty="0" smtClean="0"/>
-              <a:t> Demo</a:t>
+              <a:t>Demo</a:t>
             </a:r>
           </a:p>
           <a:p>
@@ -3827,7 +4343,17 @@
             </a:pPr>
             <a:r>
               <a:rPr lang="en-US" dirty="0" smtClean="0"/>
-              <a:t>XML is used for UI and coding is done in Java </a:t>
+              <a:t>XML is used for user interface</a:t>
+            </a:r>
+          </a:p>
+          <a:p>
+            <a:pPr>
+              <a:buFont typeface="Wingdings" charset="2"/>
+              <a:buChar char="Ø"/>
+            </a:pPr>
+            <a:r>
+              <a:rPr lang="en-US" dirty="0" smtClean="0"/>
+              <a:t> System is using Java for the programming language.</a:t>
             </a:r>
           </a:p>
           <a:p>
@@ -3880,7 +4406,11 @@
           <a:bodyPr/>
           <a:lstStyle/>
           <a:p>
-            <a:endParaRPr lang="en-US"/>
+            <a:r>
+              <a:rPr lang="en-US" dirty="0" smtClean="0"/>
+              <a:t>Project Objectives</a:t>
+            </a:r>
+            <a:endParaRPr lang="en-US" dirty="0"/>
           </a:p>
         </p:txBody>
       </p:sp>
@@ -3899,7 +4429,7 @@
           <a:bodyPr/>
           <a:lstStyle/>
           <a:p>
-            <a:endParaRPr lang="en-US"/>
+            <a:endParaRPr lang="en-US" dirty="0"/>
           </a:p>
         </p:txBody>
       </p:sp>
@@ -3907,6 +4437,212 @@
     <p:extLst>
       <p:ext uri="{BB962C8B-B14F-4D97-AF65-F5344CB8AC3E}">
         <p14:creationId xmlns:p14="http://schemas.microsoft.com/office/powerpoint/2010/main" val="752051826"/>
+      </p:ext>
+    </p:extLst>
+  </p:cSld>
+  <p:clrMapOvr>
+    <a:masterClrMapping/>
+  </p:clrMapOvr>
+</p:sld>
+</file>
+
+<file path=ppt/slides/slide8.xml><?xml version="1.0" encoding="utf-8"?>
+<p:sld xmlns:a="http://schemas.openxmlformats.org/drawingml/2006/main" xmlns:r="http://schemas.openxmlformats.org/officeDocument/2006/relationships" xmlns:p="http://schemas.openxmlformats.org/presentationml/2006/main">
+  <p:cSld>
+    <p:spTree>
+      <p:nvGrpSpPr>
+        <p:cNvPr id="1" name=""/>
+        <p:cNvGrpSpPr/>
+        <p:nvPr/>
+      </p:nvGrpSpPr>
+      <p:grpSpPr>
+        <a:xfrm>
+          <a:off x="0" y="0"/>
+          <a:ext cx="0" cy="0"/>
+          <a:chOff x="0" y="0"/>
+          <a:chExt cx="0" cy="0"/>
+        </a:xfrm>
+      </p:grpSpPr>
+      <p:sp>
+        <p:nvSpPr>
+          <p:cNvPr id="2" name="Title 1"/>
+          <p:cNvSpPr>
+            <a:spLocks noGrp="1"/>
+          </p:cNvSpPr>
+          <p:nvPr>
+            <p:ph type="title"/>
+          </p:nvPr>
+        </p:nvSpPr>
+        <p:spPr/>
+        <p:txBody>
+          <a:bodyPr/>
+          <a:lstStyle/>
+          <a:p>
+            <a:r>
+              <a:rPr lang="en-US" dirty="0" smtClean="0"/>
+              <a:t>Assumptions and Constraints </a:t>
+            </a:r>
+            <a:endParaRPr lang="en-US" dirty="0"/>
+          </a:p>
+        </p:txBody>
+      </p:sp>
+      <p:sp>
+        <p:nvSpPr>
+          <p:cNvPr id="3" name="Content Placeholder 2"/>
+          <p:cNvSpPr>
+            <a:spLocks noGrp="1"/>
+          </p:cNvSpPr>
+          <p:nvPr>
+            <p:ph idx="1"/>
+          </p:nvPr>
+        </p:nvSpPr>
+        <p:spPr/>
+        <p:txBody>
+          <a:bodyPr/>
+          <a:lstStyle/>
+          <a:p>
+            <a:r>
+              <a:rPr lang="en-US" dirty="0" smtClean="0"/>
+              <a:t>Assumptions:</a:t>
+            </a:r>
+          </a:p>
+          <a:p>
+            <a:pPr marL="571500" indent="-571500">
+              <a:buFont typeface="+mj-lt"/>
+              <a:buAutoNum type="romanUcPeriod"/>
+            </a:pPr>
+            <a:r>
+              <a:rPr lang="en-US" dirty="0" smtClean="0"/>
+              <a:t>Only people older than 18 years old are allowed to use this product.</a:t>
+            </a:r>
+          </a:p>
+          <a:p>
+            <a:pPr marL="571500" lvl="0" indent="-571500">
+              <a:buFont typeface="+mj-lt"/>
+              <a:buAutoNum type="romanUcPeriod"/>
+            </a:pPr>
+            <a:r>
+              <a:rPr lang="en-US" dirty="0"/>
+              <a:t>Only people with not very serious health issues can use this </a:t>
+            </a:r>
+            <a:r>
+              <a:rPr lang="en-US" dirty="0" smtClean="0"/>
+              <a:t>product.</a:t>
+            </a:r>
+          </a:p>
+          <a:p>
+            <a:pPr lvl="0">
+              <a:buFont typeface="Arial" charset="0"/>
+              <a:buChar char="•"/>
+            </a:pPr>
+            <a:r>
+              <a:rPr lang="en-US" dirty="0" smtClean="0"/>
+              <a:t>Constraints:</a:t>
+            </a:r>
+          </a:p>
+          <a:p>
+            <a:pPr marL="571500" indent="-571500">
+              <a:buFont typeface="+mj-lt"/>
+              <a:buAutoNum type="romanUcPeriod"/>
+            </a:pPr>
+            <a:r>
+              <a:rPr lang="en-US" dirty="0"/>
+              <a:t>Team lacks android development skills</a:t>
+            </a:r>
+          </a:p>
+          <a:p>
+            <a:pPr marL="571500" indent="-571500">
+              <a:buFont typeface="+mj-lt"/>
+              <a:buAutoNum type="romanUcPeriod"/>
+            </a:pPr>
+            <a:r>
+              <a:rPr lang="en-US" dirty="0" smtClean="0"/>
+              <a:t>Schedule </a:t>
+            </a:r>
+            <a:r>
+              <a:rPr lang="en-US" dirty="0"/>
+              <a:t>was very aggressive </a:t>
+            </a:r>
+            <a:endParaRPr lang="en-US" dirty="0" smtClean="0"/>
+          </a:p>
+        </p:txBody>
+      </p:sp>
+    </p:spTree>
+    <p:extLst>
+      <p:ext uri="{BB962C8B-B14F-4D97-AF65-F5344CB8AC3E}">
+        <p14:creationId xmlns:p14="http://schemas.microsoft.com/office/powerpoint/2010/main" val="1597720005"/>
+      </p:ext>
+    </p:extLst>
+  </p:cSld>
+  <p:clrMapOvr>
+    <a:masterClrMapping/>
+  </p:clrMapOvr>
+</p:sld>
+</file>
+
+<file path=ppt/slides/slide9.xml><?xml version="1.0" encoding="utf-8"?>
+<p:sld xmlns:a="http://schemas.openxmlformats.org/drawingml/2006/main" xmlns:r="http://schemas.openxmlformats.org/officeDocument/2006/relationships" xmlns:p="http://schemas.openxmlformats.org/presentationml/2006/main">
+  <p:cSld>
+    <p:spTree>
+      <p:nvGrpSpPr>
+        <p:cNvPr id="1" name=""/>
+        <p:cNvGrpSpPr/>
+        <p:nvPr/>
+      </p:nvGrpSpPr>
+      <p:grpSpPr>
+        <a:xfrm>
+          <a:off x="0" y="0"/>
+          <a:ext cx="0" cy="0"/>
+          <a:chOff x="0" y="0"/>
+          <a:chExt cx="0" cy="0"/>
+        </a:xfrm>
+      </p:grpSpPr>
+      <p:sp>
+        <p:nvSpPr>
+          <p:cNvPr id="2" name="Title 1"/>
+          <p:cNvSpPr>
+            <a:spLocks noGrp="1"/>
+          </p:cNvSpPr>
+          <p:nvPr>
+            <p:ph type="title"/>
+          </p:nvPr>
+        </p:nvSpPr>
+        <p:spPr/>
+        <p:txBody>
+          <a:bodyPr/>
+          <a:lstStyle/>
+          <a:p>
+            <a:r>
+              <a:rPr lang="en-US" dirty="0" smtClean="0"/>
+              <a:t>Project Context</a:t>
+            </a:r>
+            <a:endParaRPr lang="en-US" dirty="0"/>
+          </a:p>
+        </p:txBody>
+      </p:sp>
+      <p:sp>
+        <p:nvSpPr>
+          <p:cNvPr id="3" name="Content Placeholder 2"/>
+          <p:cNvSpPr>
+            <a:spLocks noGrp="1"/>
+          </p:cNvSpPr>
+          <p:nvPr>
+            <p:ph idx="1"/>
+          </p:nvPr>
+        </p:nvSpPr>
+        <p:spPr/>
+        <p:txBody>
+          <a:bodyPr/>
+          <a:lstStyle/>
+          <a:p>
+            <a:endParaRPr lang="en-US" dirty="0"/>
+          </a:p>
+        </p:txBody>
+      </p:sp>
+    </p:spTree>
+    <p:extLst>
+      <p:ext uri="{BB962C8B-B14F-4D97-AF65-F5344CB8AC3E}">
+        <p14:creationId xmlns:p14="http://schemas.microsoft.com/office/powerpoint/2010/main" val="1079979971"/>
       </p:ext>
     </p:extLst>
   </p:cSld>
